--- a/src/public/doc/webrtc_세미나자료_0427.pptx
+++ b/src/public/doc/webrtc_세미나자료_0427.pptx
@@ -4881,8 +4881,8 @@
     <dgm:cxn modelId="{3690955E-DB4A-8741-BAB0-3E23D419338E}" srcId="{CFB1DD60-DB47-7B4B-9C2B-522BEFAC6F0B}" destId="{8BFE2440-EE05-964A-9924-5E16E0B58E04}" srcOrd="0" destOrd="0" parTransId="{859225D8-5D54-8745-B4E6-AD440363F2C7}" sibTransId="{C1E916DB-F2B6-DE4D-B9FF-07B811397D8E}"/>
     <dgm:cxn modelId="{8B08CCD0-858B-4A45-A29F-FAE06D330304}" type="presOf" srcId="{C61822AF-E444-AE4A-AED8-237B0466310C}" destId="{09D48F12-6438-7942-9880-D10672056A99}" srcOrd="0" destOrd="0" presId="urn:microsoft.com/office/officeart/2005/8/layout/process5"/>
     <dgm:cxn modelId="{B19D3038-9EB0-E145-B55D-D4F6402F788F}" type="presOf" srcId="{CFB1DD60-DB47-7B4B-9C2B-522BEFAC6F0B}" destId="{2F09167F-46CD-E540-8CB3-638D9C1C903D}" srcOrd="0" destOrd="0" presId="urn:microsoft.com/office/officeart/2005/8/layout/process5"/>
+    <dgm:cxn modelId="{EBFC9F94-0CD9-CF41-8527-BDA7D48AA5AD}" type="presOf" srcId="{C1E916DB-F2B6-DE4D-B9FF-07B811397D8E}" destId="{E38D9331-0813-8E44-A563-0C9B5761F5EB}" srcOrd="0" destOrd="0" presId="urn:microsoft.com/office/officeart/2005/8/layout/process5"/>
     <dgm:cxn modelId="{58A6C593-C84D-F545-8017-09E204327179}" srcId="{CFB1DD60-DB47-7B4B-9C2B-522BEFAC6F0B}" destId="{C61822AF-E444-AE4A-AED8-237B0466310C}" srcOrd="1" destOrd="0" parTransId="{46A5B8AE-5509-CA4C-8402-1D7EE9872A67}" sibTransId="{B3995240-85A4-5143-A23C-416B65E8CFC7}"/>
-    <dgm:cxn modelId="{EBFC9F94-0CD9-CF41-8527-BDA7D48AA5AD}" type="presOf" srcId="{C1E916DB-F2B6-DE4D-B9FF-07B811397D8E}" destId="{E38D9331-0813-8E44-A563-0C9B5761F5EB}" srcOrd="0" destOrd="0" presId="urn:microsoft.com/office/officeart/2005/8/layout/process5"/>
     <dgm:cxn modelId="{652CDC63-D00B-D247-94AA-4E001268B18C}" type="presOf" srcId="{C1E916DB-F2B6-DE4D-B9FF-07B811397D8E}" destId="{5D7B0A85-5CD0-DD4C-85ED-1405F40F186C}" srcOrd="1" destOrd="0" presId="urn:microsoft.com/office/officeart/2005/8/layout/process5"/>
     <dgm:cxn modelId="{69DCFF44-E26D-FF43-A891-52E8246E55C0}" type="presParOf" srcId="{2F09167F-46CD-E540-8CB3-638D9C1C903D}" destId="{1EC916F9-6801-0C41-8220-6EA729C434CF}" srcOrd="0" destOrd="0" presId="urn:microsoft.com/office/officeart/2005/8/layout/process5"/>
     <dgm:cxn modelId="{B75A59D7-A42E-D347-9A3A-04B35326E2AF}" type="presParOf" srcId="{2F09167F-46CD-E540-8CB3-638D9C1C903D}" destId="{E38D9331-0813-8E44-A563-0C9B5761F5EB}" srcOrd="1" destOrd="0" presId="urn:microsoft.com/office/officeart/2005/8/layout/process5"/>
@@ -14534,7 +14534,7 @@
           <a:p>
             <a:fld id="{D327EC2C-6A2B-8747-9423-A6F3139EA269}" type="datetimeFigureOut">
               <a:rPr kumimoji="1" lang="ko-KR" altLang="en-US" smtClean="0"/>
-              <a:t>2022-04-27</a:t>
+              <a:t>2022-04-29</a:t>
             </a:fld>
             <a:endParaRPr kumimoji="1" lang="ko-KR" altLang="en-US"/>
           </a:p>
@@ -15050,7 +15050,7 @@
           <a:p>
             <a:fld id="{45AB81E9-70EC-7B4B-83CA-7BCE89E27820}" type="datetimeFigureOut">
               <a:rPr kumimoji="1" lang="ko-KR" altLang="en-US" smtClean="0"/>
-              <a:t>2022-04-27</a:t>
+              <a:t>2022-04-29</a:t>
             </a:fld>
             <a:endParaRPr kumimoji="1" lang="ko-KR" altLang="en-US"/>
           </a:p>
@@ -15469,7 +15469,7 @@
           <a:p>
             <a:fld id="{45AB81E9-70EC-7B4B-83CA-7BCE89E27820}" type="datetimeFigureOut">
               <a:rPr kumimoji="1" lang="ko-KR" altLang="en-US" smtClean="0"/>
-              <a:t>2022-04-27</a:t>
+              <a:t>2022-04-29</a:t>
             </a:fld>
             <a:endParaRPr kumimoji="1" lang="ko-KR" altLang="en-US"/>
           </a:p>
@@ -15810,7 +15810,7 @@
           <a:p>
             <a:fld id="{45AB81E9-70EC-7B4B-83CA-7BCE89E27820}" type="datetimeFigureOut">
               <a:rPr kumimoji="1" lang="ko-KR" altLang="en-US" smtClean="0"/>
-              <a:t>2022-04-27</a:t>
+              <a:t>2022-04-29</a:t>
             </a:fld>
             <a:endParaRPr kumimoji="1" lang="ko-KR" altLang="en-US"/>
           </a:p>
@@ -16225,7 +16225,7 @@
           <a:p>
             <a:fld id="{45AB81E9-70EC-7B4B-83CA-7BCE89E27820}" type="datetimeFigureOut">
               <a:rPr kumimoji="1" lang="ko-KR" altLang="en-US" smtClean="0"/>
-              <a:t>2022-04-27</a:t>
+              <a:t>2022-04-29</a:t>
             </a:fld>
             <a:endParaRPr kumimoji="1" lang="ko-KR" altLang="en-US"/>
           </a:p>
@@ -16798,7 +16798,7 @@
           <a:p>
             <a:fld id="{45AB81E9-70EC-7B4B-83CA-7BCE89E27820}" type="datetimeFigureOut">
               <a:rPr kumimoji="1" lang="ko-KR" altLang="en-US" smtClean="0"/>
-              <a:t>2022-04-27</a:t>
+              <a:t>2022-04-29</a:t>
             </a:fld>
             <a:endParaRPr kumimoji="1" lang="ko-KR" altLang="en-US"/>
           </a:p>
@@ -17509,7 +17509,7 @@
           <a:p>
             <a:fld id="{45AB81E9-70EC-7B4B-83CA-7BCE89E27820}" type="datetimeFigureOut">
               <a:rPr kumimoji="1" lang="ko-KR" altLang="en-US" smtClean="0"/>
-              <a:t>2022-04-27</a:t>
+              <a:t>2022-04-29</a:t>
             </a:fld>
             <a:endParaRPr kumimoji="1" lang="ko-KR" altLang="en-US"/>
           </a:p>
@@ -18452,7 +18452,7 @@
           <a:p>
             <a:fld id="{45AB81E9-70EC-7B4B-83CA-7BCE89E27820}" type="datetimeFigureOut">
               <a:rPr kumimoji="1" lang="ko-KR" altLang="en-US" smtClean="0"/>
-              <a:t>2022-04-27</a:t>
+              <a:t>2022-04-29</a:t>
             </a:fld>
             <a:endParaRPr kumimoji="1" lang="ko-KR" altLang="en-US"/>
           </a:p>
@@ -18741,7 +18741,7 @@
           <a:p>
             <a:fld id="{45AB81E9-70EC-7B4B-83CA-7BCE89E27820}" type="datetimeFigureOut">
               <a:rPr kumimoji="1" lang="ko-KR" altLang="en-US" smtClean="0"/>
-              <a:t>2022-04-27</a:t>
+              <a:t>2022-04-29</a:t>
             </a:fld>
             <a:endParaRPr kumimoji="1" lang="ko-KR" altLang="en-US"/>
           </a:p>
@@ -18981,7 +18981,7 @@
           <a:p>
             <a:fld id="{45AB81E9-70EC-7B4B-83CA-7BCE89E27820}" type="datetimeFigureOut">
               <a:rPr kumimoji="1" lang="ko-KR" altLang="en-US" smtClean="0"/>
-              <a:t>2022-04-27</a:t>
+              <a:t>2022-04-29</a:t>
             </a:fld>
             <a:endParaRPr kumimoji="1" lang="ko-KR" altLang="en-US"/>
           </a:p>
@@ -19280,7 +19280,7 @@
           <a:p>
             <a:fld id="{45AB81E9-70EC-7B4B-83CA-7BCE89E27820}" type="datetimeFigureOut">
               <a:rPr kumimoji="1" lang="ko-KR" altLang="en-US" smtClean="0"/>
-              <a:t>2022-04-27</a:t>
+              <a:t>2022-04-29</a:t>
             </a:fld>
             <a:endParaRPr kumimoji="1" lang="ko-KR" altLang="en-US"/>
           </a:p>
@@ -19674,7 +19674,7 @@
           <a:p>
             <a:fld id="{45AB81E9-70EC-7B4B-83CA-7BCE89E27820}" type="datetimeFigureOut">
               <a:rPr kumimoji="1" lang="ko-KR" altLang="en-US" smtClean="0"/>
-              <a:t>2022-04-27</a:t>
+              <a:t>2022-04-29</a:t>
             </a:fld>
             <a:endParaRPr kumimoji="1" lang="ko-KR" altLang="en-US"/>
           </a:p>
@@ -20002,7 +20002,7 @@
           <a:p>
             <a:fld id="{45AB81E9-70EC-7B4B-83CA-7BCE89E27820}" type="datetimeFigureOut">
               <a:rPr kumimoji="1" lang="ko-KR" altLang="en-US" smtClean="0"/>
-              <a:t>2022-04-27</a:t>
+              <a:t>2022-04-29</a:t>
             </a:fld>
             <a:endParaRPr kumimoji="1" lang="ko-KR" altLang="en-US"/>
           </a:p>
@@ -20470,7 +20470,7 @@
           <a:p>
             <a:fld id="{45AB81E9-70EC-7B4B-83CA-7BCE89E27820}" type="datetimeFigureOut">
               <a:rPr kumimoji="1" lang="ko-KR" altLang="en-US" smtClean="0"/>
-              <a:t>2022-04-27</a:t>
+              <a:t>2022-04-29</a:t>
             </a:fld>
             <a:endParaRPr kumimoji="1" lang="ko-KR" altLang="en-US"/>
           </a:p>
@@ -20727,7 +20727,7 @@
           <a:p>
             <a:fld id="{45AB81E9-70EC-7B4B-83CA-7BCE89E27820}" type="datetimeFigureOut">
               <a:rPr kumimoji="1" lang="ko-KR" altLang="en-US" smtClean="0"/>
-              <a:t>2022-04-27</a:t>
+              <a:t>2022-04-29</a:t>
             </a:fld>
             <a:endParaRPr kumimoji="1" lang="ko-KR" altLang="en-US"/>
           </a:p>
@@ -20890,7 +20890,7 @@
           <a:p>
             <a:fld id="{45AB81E9-70EC-7B4B-83CA-7BCE89E27820}" type="datetimeFigureOut">
               <a:rPr kumimoji="1" lang="ko-KR" altLang="en-US" smtClean="0"/>
-              <a:t>2022-04-27</a:t>
+              <a:t>2022-04-29</a:t>
             </a:fld>
             <a:endParaRPr kumimoji="1" lang="ko-KR" altLang="en-US"/>
           </a:p>
@@ -21261,7 +21261,7 @@
           <a:p>
             <a:fld id="{45AB81E9-70EC-7B4B-83CA-7BCE89E27820}" type="datetimeFigureOut">
               <a:rPr kumimoji="1" lang="ko-KR" altLang="en-US" smtClean="0"/>
-              <a:t>2022-04-27</a:t>
+              <a:t>2022-04-29</a:t>
             </a:fld>
             <a:endParaRPr kumimoji="1" lang="ko-KR" altLang="en-US"/>
           </a:p>
@@ -21675,7 +21675,7 @@
           <a:p>
             <a:fld id="{45AB81E9-70EC-7B4B-83CA-7BCE89E27820}" type="datetimeFigureOut">
               <a:rPr kumimoji="1" lang="ko-KR" altLang="en-US" smtClean="0"/>
-              <a:t>2022-04-27</a:t>
+              <a:t>2022-04-29</a:t>
             </a:fld>
             <a:endParaRPr kumimoji="1" lang="ko-KR" altLang="en-US"/>
           </a:p>
@@ -21898,7 +21898,7 @@
           <a:p>
             <a:fld id="{45AB81E9-70EC-7B4B-83CA-7BCE89E27820}" type="datetimeFigureOut">
               <a:rPr kumimoji="1" lang="ko-KR" altLang="en-US" smtClean="0"/>
-              <a:t>2022-04-27</a:t>
+              <a:t>2022-04-29</a:t>
             </a:fld>
             <a:endParaRPr kumimoji="1" lang="ko-KR" altLang="en-US"/>
           </a:p>
@@ -23085,15 +23085,7 @@
                   <a:schemeClr val="bg1"/>
                 </a:solidFill>
               </a:rPr>
-              <a:t>서비스</a:t>
-            </a:r>
-            <a:r>
-              <a:rPr lang="ko-KR" altLang="en-US" dirty="0" err="1" smtClean="0">
-                <a:solidFill>
-                  <a:schemeClr val="bg1"/>
-                </a:solidFill>
-              </a:rPr>
-              <a:t>시</a:t>
+              <a:t>서비스시</a:t>
             </a:r>
             <a:r>
               <a:rPr lang="ko-KR" altLang="en-US" dirty="0" smtClean="0">
@@ -23125,15 +23117,7 @@
                   <a:schemeClr val="bg1"/>
                 </a:solidFill>
               </a:rPr>
-              <a:t>의 </a:t>
-            </a:r>
-            <a:r>
-              <a:rPr lang="ko-KR" altLang="en-US" dirty="0" smtClean="0">
-                <a:solidFill>
-                  <a:schemeClr val="bg1"/>
-                </a:solidFill>
-              </a:rPr>
-              <a:t>구축 필요</a:t>
+              <a:t>의 구축 필요</a:t>
             </a:r>
             <a:r>
               <a:rPr lang="en-US" altLang="ko-KR" dirty="0" smtClean="0">
@@ -24072,11 +24056,204 @@
         </p:blipFill>
         <p:spPr>
           <a:xfrm>
-            <a:off x="1750490" y="2654852"/>
+            <a:off x="1750490" y="2222588"/>
             <a:ext cx="8397347" cy="3598863"/>
           </a:xfrm>
         </p:spPr>
       </p:pic>
+      <p:sp>
+        <p:nvSpPr>
+          <p:cNvPr id="3" name="직사각형 2"/>
+          <p:cNvSpPr/>
+          <p:nvPr/>
+        </p:nvSpPr>
+        <p:spPr>
+          <a:xfrm>
+            <a:off x="680321" y="6000176"/>
+            <a:ext cx="11165315" cy="646331"/>
+          </a:xfrm>
+          <a:prstGeom prst="rect">
+            <a:avLst/>
+          </a:prstGeom>
+        </p:spPr>
+        <p:txBody>
+          <a:bodyPr wrap="square">
+            <a:spAutoFit/>
+          </a:bodyPr>
+          <a:lstStyle/>
+          <a:p>
+            <a:pPr marL="171450" indent="-171450">
+              <a:buFontTx/>
+              <a:buChar char="-"/>
+            </a:pPr>
+            <a:r>
+              <a:rPr lang="en-US" altLang="ko-KR" sz="1200" b="1" dirty="0" smtClean="0">
+                <a:solidFill>
+                  <a:srgbClr val="212529"/>
+                </a:solidFill>
+                <a:latin typeface="-apple-system"/>
+              </a:rPr>
+              <a:t>SDP(Session </a:t>
+            </a:r>
+            <a:r>
+              <a:rPr lang="en-US" altLang="ko-KR" sz="1200" b="1" dirty="0">
+                <a:solidFill>
+                  <a:srgbClr val="212529"/>
+                </a:solidFill>
+                <a:latin typeface="-apple-system"/>
+              </a:rPr>
+              <a:t>Description Protocol)</a:t>
+            </a:r>
+            <a:r>
+              <a:rPr lang="ko-KR" altLang="en-US" sz="1200" dirty="0">
+                <a:solidFill>
+                  <a:srgbClr val="212529"/>
+                </a:solidFill>
+                <a:latin typeface="-apple-system"/>
+              </a:rPr>
+              <a:t>는 </a:t>
+            </a:r>
+            <a:r>
+              <a:rPr lang="en-US" altLang="ko-KR" sz="1200" dirty="0" err="1">
+                <a:solidFill>
+                  <a:srgbClr val="212529"/>
+                </a:solidFill>
+                <a:latin typeface="-apple-system"/>
+              </a:rPr>
+              <a:t>WebRTC</a:t>
+            </a:r>
+            <a:r>
+              <a:rPr lang="ko-KR" altLang="en-US" sz="1200" dirty="0">
+                <a:solidFill>
+                  <a:srgbClr val="212529"/>
+                </a:solidFill>
+                <a:latin typeface="-apple-system"/>
+              </a:rPr>
+              <a:t>에서 스트리밍 미디어의 해상도나 형식</a:t>
+            </a:r>
+            <a:r>
+              <a:rPr lang="en-US" altLang="ko-KR" sz="1200" dirty="0">
+                <a:solidFill>
+                  <a:srgbClr val="212529"/>
+                </a:solidFill>
+                <a:latin typeface="-apple-system"/>
+              </a:rPr>
+              <a:t>, </a:t>
+            </a:r>
+            <a:r>
+              <a:rPr lang="ko-KR" altLang="en-US" sz="1200" dirty="0" err="1">
+                <a:solidFill>
+                  <a:srgbClr val="212529"/>
+                </a:solidFill>
+                <a:latin typeface="-apple-system"/>
+              </a:rPr>
+              <a:t>코덱</a:t>
+            </a:r>
+            <a:r>
+              <a:rPr lang="ko-KR" altLang="en-US" sz="1200" dirty="0">
+                <a:solidFill>
+                  <a:srgbClr val="212529"/>
+                </a:solidFill>
+                <a:latin typeface="-apple-system"/>
+              </a:rPr>
+              <a:t> 등의 멀티미디어 컨텐츠의 초기 인수를 설명하기 위한 </a:t>
+            </a:r>
+            <a:r>
+              <a:rPr lang="ko-KR" altLang="en-US" sz="1200" dirty="0" smtClean="0">
+                <a:solidFill>
+                  <a:srgbClr val="212529"/>
+                </a:solidFill>
+                <a:latin typeface="-apple-system"/>
+              </a:rPr>
+              <a:t>프로토콜</a:t>
+            </a:r>
+            <a:endParaRPr lang="en-US" altLang="ko-KR" sz="1200" dirty="0" smtClean="0">
+              <a:solidFill>
+                <a:srgbClr val="212529"/>
+              </a:solidFill>
+              <a:latin typeface="-apple-system"/>
+            </a:endParaRPr>
+          </a:p>
+          <a:p>
+            <a:pPr marL="171450" indent="-171450">
+              <a:buFontTx/>
+              <a:buChar char="-"/>
+            </a:pPr>
+            <a:endParaRPr lang="en-US" altLang="ko-KR" sz="1200" dirty="0">
+              <a:solidFill>
+                <a:srgbClr val="212529"/>
+              </a:solidFill>
+              <a:latin typeface="-apple-system"/>
+            </a:endParaRPr>
+          </a:p>
+          <a:p>
+            <a:pPr marL="171450" indent="-171450">
+              <a:buFontTx/>
+              <a:buChar char="-"/>
+            </a:pPr>
+            <a:r>
+              <a:rPr lang="en-US" altLang="ko-KR" sz="1200" b="1" dirty="0" smtClean="0">
+                <a:solidFill>
+                  <a:schemeClr val="bg1"/>
+                </a:solidFill>
+                <a:latin typeface="+mn-ea"/>
+              </a:rPr>
+              <a:t>ICE (Interactive </a:t>
+            </a:r>
+            <a:r>
+              <a:rPr lang="en-US" altLang="ko-KR" sz="1200" b="1" dirty="0">
+                <a:solidFill>
+                  <a:schemeClr val="bg1"/>
+                </a:solidFill>
+                <a:latin typeface="+mn-ea"/>
+              </a:rPr>
+              <a:t>Connectivity Establishment</a:t>
+            </a:r>
+            <a:r>
+              <a:rPr lang="en-US" altLang="ko-KR" sz="1200" b="1" dirty="0" smtClean="0">
+                <a:solidFill>
+                  <a:schemeClr val="bg1"/>
+                </a:solidFill>
+                <a:latin typeface="+mn-ea"/>
+              </a:rPr>
+              <a:t>) </a:t>
+            </a:r>
+            <a:r>
+              <a:rPr lang="ko-KR" altLang="en-US" sz="1200" dirty="0">
+                <a:solidFill>
+                  <a:schemeClr val="bg1"/>
+                </a:solidFill>
+                <a:latin typeface="+mn-ea"/>
+              </a:rPr>
+              <a:t>는 브라우저가 </a:t>
+            </a:r>
+            <a:r>
+              <a:rPr lang="en-US" altLang="ko-KR" sz="1200" dirty="0">
+                <a:solidFill>
+                  <a:schemeClr val="bg1"/>
+                </a:solidFill>
+                <a:latin typeface="+mn-ea"/>
+              </a:rPr>
+              <a:t>peer</a:t>
+            </a:r>
+            <a:r>
+              <a:rPr lang="ko-KR" altLang="en-US" sz="1200" dirty="0">
+                <a:solidFill>
+                  <a:schemeClr val="bg1"/>
+                </a:solidFill>
+                <a:latin typeface="+mn-ea"/>
+              </a:rPr>
+              <a:t>를 통한 연결이 가능하도록 하게 해주는 프레임워크</a:t>
+            </a:r>
+            <a:endParaRPr lang="ko-KR" altLang="en-US" sz="1000" dirty="0">
+              <a:solidFill>
+                <a:schemeClr val="bg1"/>
+              </a:solidFill>
+              <a:latin typeface="+mn-ea"/>
+            </a:endParaRPr>
+          </a:p>
+        </p:txBody>
+      </p:sp>
     </p:spTree>
     <p:extLst>
       <p:ext uri="{BB962C8B-B14F-4D97-AF65-F5344CB8AC3E}">
